--- a/02_Design_Studio/Figma.pptx
+++ b/02_Design_Studio/Figma.pptx
@@ -5,7 +5,14 @@
     <p:sldMasterId id="2147483648" r:id="rId1"/>
   </p:sldMasterIdLst>
   <p:sldIdLst>
-    <p:sldId id="256" r:id="rId2"/>
+    <p:sldId id="257" r:id="rId2"/>
+    <p:sldId id="258" r:id="rId3"/>
+    <p:sldId id="259" r:id="rId4"/>
+    <p:sldId id="260" r:id="rId5"/>
+    <p:sldId id="261" r:id="rId6"/>
+    <p:sldId id="262" r:id="rId7"/>
+    <p:sldId id="263" r:id="rId8"/>
+    <p:sldId id="264" r:id="rId9"/>
   </p:sldIdLst>
   <p:sldSz cx="12192000" cy="6858000"/>
   <p:notesSz cx="6858000" cy="9144000"/>
@@ -104,6 +111,11 @@
       </a:defRPr>
     </a:lvl9pPr>
   </p:defaultTextStyle>
+  <p:extLst>
+    <p:ext uri="{EFAFB233-063F-42B5-8137-9DF3F51BA10A}">
+      <p15:sldGuideLst xmlns:p15="http://schemas.microsoft.com/office/powerpoint/2012/main"/>
+    </p:ext>
+  </p:extLst>
 </p:presentation>
 </file>
 
@@ -254,7 +266,7 @@
           <a:p>
             <a:fld id="{C7A42A00-63F9-4936-A9FC-576797656CB3}" type="datetimeFigureOut">
               <a:rPr lang="zh-TW" altLang="en-US" smtClean="0"/>
-              <a:t>2025/12/19</a:t>
+              <a:t>2025/12/21</a:t>
             </a:fld>
             <a:endParaRPr lang="zh-TW" altLang="en-US"/>
           </a:p>
@@ -452,7 +464,7 @@
           <a:p>
             <a:fld id="{C7A42A00-63F9-4936-A9FC-576797656CB3}" type="datetimeFigureOut">
               <a:rPr lang="zh-TW" altLang="en-US" smtClean="0"/>
-              <a:t>2025/12/19</a:t>
+              <a:t>2025/12/21</a:t>
             </a:fld>
             <a:endParaRPr lang="zh-TW" altLang="en-US"/>
           </a:p>
@@ -660,7 +672,7 @@
           <a:p>
             <a:fld id="{C7A42A00-63F9-4936-A9FC-576797656CB3}" type="datetimeFigureOut">
               <a:rPr lang="zh-TW" altLang="en-US" smtClean="0"/>
-              <a:t>2025/12/19</a:t>
+              <a:t>2025/12/21</a:t>
             </a:fld>
             <a:endParaRPr lang="zh-TW" altLang="en-US"/>
           </a:p>
@@ -858,7 +870,7 @@
           <a:p>
             <a:fld id="{C7A42A00-63F9-4936-A9FC-576797656CB3}" type="datetimeFigureOut">
               <a:rPr lang="zh-TW" altLang="en-US" smtClean="0"/>
-              <a:t>2025/12/19</a:t>
+              <a:t>2025/12/21</a:t>
             </a:fld>
             <a:endParaRPr lang="zh-TW" altLang="en-US"/>
           </a:p>
@@ -1133,7 +1145,7 @@
           <a:p>
             <a:fld id="{C7A42A00-63F9-4936-A9FC-576797656CB3}" type="datetimeFigureOut">
               <a:rPr lang="zh-TW" altLang="en-US" smtClean="0"/>
-              <a:t>2025/12/19</a:t>
+              <a:t>2025/12/21</a:t>
             </a:fld>
             <a:endParaRPr lang="zh-TW" altLang="en-US"/>
           </a:p>
@@ -1398,7 +1410,7 @@
           <a:p>
             <a:fld id="{C7A42A00-63F9-4936-A9FC-576797656CB3}" type="datetimeFigureOut">
               <a:rPr lang="zh-TW" altLang="en-US" smtClean="0"/>
-              <a:t>2025/12/19</a:t>
+              <a:t>2025/12/21</a:t>
             </a:fld>
             <a:endParaRPr lang="zh-TW" altLang="en-US"/>
           </a:p>
@@ -1810,7 +1822,7 @@
           <a:p>
             <a:fld id="{C7A42A00-63F9-4936-A9FC-576797656CB3}" type="datetimeFigureOut">
               <a:rPr lang="zh-TW" altLang="en-US" smtClean="0"/>
-              <a:t>2025/12/19</a:t>
+              <a:t>2025/12/21</a:t>
             </a:fld>
             <a:endParaRPr lang="zh-TW" altLang="en-US"/>
           </a:p>
@@ -1951,7 +1963,7 @@
           <a:p>
             <a:fld id="{C7A42A00-63F9-4936-A9FC-576797656CB3}" type="datetimeFigureOut">
               <a:rPr lang="zh-TW" altLang="en-US" smtClean="0"/>
-              <a:t>2025/12/19</a:t>
+              <a:t>2025/12/21</a:t>
             </a:fld>
             <a:endParaRPr lang="zh-TW" altLang="en-US"/>
           </a:p>
@@ -2064,7 +2076,7 @@
           <a:p>
             <a:fld id="{C7A42A00-63F9-4936-A9FC-576797656CB3}" type="datetimeFigureOut">
               <a:rPr lang="zh-TW" altLang="en-US" smtClean="0"/>
-              <a:t>2025/12/19</a:t>
+              <a:t>2025/12/21</a:t>
             </a:fld>
             <a:endParaRPr lang="zh-TW" altLang="en-US"/>
           </a:p>
@@ -2375,7 +2387,7 @@
           <a:p>
             <a:fld id="{C7A42A00-63F9-4936-A9FC-576797656CB3}" type="datetimeFigureOut">
               <a:rPr lang="zh-TW" altLang="en-US" smtClean="0"/>
-              <a:t>2025/12/19</a:t>
+              <a:t>2025/12/21</a:t>
             </a:fld>
             <a:endParaRPr lang="zh-TW" altLang="en-US"/>
           </a:p>
@@ -2663,7 +2675,7 @@
           <a:p>
             <a:fld id="{C7A42A00-63F9-4936-A9FC-576797656CB3}" type="datetimeFigureOut">
               <a:rPr lang="zh-TW" altLang="en-US" smtClean="0"/>
-              <a:t>2025/12/19</a:t>
+              <a:t>2025/12/21</a:t>
             </a:fld>
             <a:endParaRPr lang="zh-TW" altLang="en-US"/>
           </a:p>
@@ -2904,7 +2916,7 @@
           <a:p>
             <a:fld id="{C7A42A00-63F9-4936-A9FC-576797656CB3}" type="datetimeFigureOut">
               <a:rPr lang="zh-TW" altLang="en-US" smtClean="0"/>
-              <a:t>2025/12/19</a:t>
+              <a:t>2025/12/21</a:t>
             </a:fld>
             <a:endParaRPr lang="zh-TW" altLang="en-US"/>
           </a:p>
@@ -3323,57 +3335,74 @@
       </p:grpSpPr>
       <p:sp>
         <p:nvSpPr>
-          <p:cNvPr id="2" name="標題 1">
-            <a:extLst>
-              <a:ext uri="{FF2B5EF4-FFF2-40B4-BE49-F238E27FC236}">
-                <a16:creationId xmlns:a16="http://schemas.microsoft.com/office/drawing/2014/main" id="{AC0916D0-B037-B21D-D398-5A21F9D78758}"/>
-              </a:ext>
-            </a:extLst>
-          </p:cNvPr>
-          <p:cNvSpPr>
-            <a:spLocks noGrp="1"/>
-          </p:cNvSpPr>
-          <p:nvPr>
-            <p:ph type="ctrTitle"/>
-          </p:nvPr>
-        </p:nvSpPr>
-        <p:spPr/>
-        <p:txBody>
-          <a:bodyPr/>
-          <a:lstStyle/>
-          <a:p>
+          <p:cNvPr id="4" name="標題 3">
+            <a:extLst>
+              <a:ext uri="{FF2B5EF4-FFF2-40B4-BE49-F238E27FC236}">
+                <a16:creationId xmlns:a16="http://schemas.microsoft.com/office/drawing/2014/main" id="{6B5BB8E7-042D-8315-0B1F-C377B7C661BE}"/>
+              </a:ext>
+            </a:extLst>
+          </p:cNvPr>
+          <p:cNvSpPr>
+            <a:spLocks noGrp="1"/>
+          </p:cNvSpPr>
+          <p:nvPr>
+            <p:ph type="title"/>
+          </p:nvPr>
+        </p:nvSpPr>
+        <p:spPr/>
+        <p:txBody>
+          <a:bodyPr/>
+          <a:lstStyle/>
+          <a:p>
+            <a:r>
+              <a:rPr lang="en-US" altLang="zh-TW" dirty="0"/>
+              <a:t>page_1	</a:t>
+            </a:r>
             <a:endParaRPr lang="zh-TW" altLang="en-US" dirty="0"/>
           </a:p>
         </p:txBody>
       </p:sp>
       <p:sp>
         <p:nvSpPr>
-          <p:cNvPr id="3" name="副標題 2">
-            <a:extLst>
-              <a:ext uri="{FF2B5EF4-FFF2-40B4-BE49-F238E27FC236}">
-                <a16:creationId xmlns:a16="http://schemas.microsoft.com/office/drawing/2014/main" id="{2894DEE7-8E12-A8F4-AB63-C4333CD5F8D3}"/>
-              </a:ext>
-            </a:extLst>
-          </p:cNvPr>
-          <p:cNvSpPr>
-            <a:spLocks noGrp="1"/>
-          </p:cNvSpPr>
-          <p:nvPr>
-            <p:ph type="subTitle" idx="1"/>
-          </p:nvPr>
-        </p:nvSpPr>
-        <p:spPr/>
-        <p:txBody>
-          <a:bodyPr/>
-          <a:lstStyle/>
-          <a:p>
-            <a:endParaRPr lang="zh-TW" altLang="en-US" dirty="0"/>
+          <p:cNvPr id="7" name="文字版面配置區 6">
+            <a:extLst>
+              <a:ext uri="{FF2B5EF4-FFF2-40B4-BE49-F238E27FC236}">
+                <a16:creationId xmlns:a16="http://schemas.microsoft.com/office/drawing/2014/main" id="{2042F95E-6788-B074-BFB8-BA7A14D9521E}"/>
+              </a:ext>
+            </a:extLst>
+          </p:cNvPr>
+          <p:cNvSpPr>
+            <a:spLocks noGrp="1"/>
+          </p:cNvSpPr>
+          <p:nvPr>
+            <p:ph type="body" sz="half" idx="2"/>
+          </p:nvPr>
+        </p:nvSpPr>
+        <p:spPr/>
+        <p:txBody>
+          <a:bodyPr/>
+          <a:lstStyle/>
+          <a:p>
+            <a:r>
+              <a:rPr lang="zh-TW" altLang="en-US" dirty="0"/>
+              <a:t>黑灰色地方是拍攝螢幕，有個拍照圖片是拍照按鈕。</a:t>
+            </a:r>
+            <a:endParaRPr lang="en-US" altLang="zh-TW" dirty="0"/>
+          </a:p>
+          <a:p>
+            <a:endParaRPr lang="en-US" altLang="zh-TW" dirty="0"/>
+          </a:p>
+          <a:p>
+            <a:r>
+              <a:rPr lang="zh-TW" altLang="en-US" dirty="0"/>
+              <a:t>左下有個是計算機程式。</a:t>
+            </a:r>
           </a:p>
         </p:txBody>
       </p:sp>
       <p:pic>
         <p:nvPicPr>
-          <p:cNvPr id="5" name="圖片 4" descr="一張含有 文字, 螢幕擷取畫面, 軟體, 電腦圖示 的圖片&#10;&#10;AI 產生的內容可能不正確。">
+          <p:cNvPr id="8" name="圖片版面配置區 7" descr="一張含有 文字, 螢幕擷取畫面, 軟體, 電腦圖示 的圖片&#10;&#10;AI 產生的內容可能不正確。">
             <a:extLst>
               <a:ext uri="{FF2B5EF4-FFF2-40B4-BE49-F238E27FC236}">
                 <a16:creationId xmlns:a16="http://schemas.microsoft.com/office/drawing/2014/main" id="{74E6BDE0-7B9F-CBD4-B7A8-2F85C79B8F6B}"/>
@@ -3381,238 +3410,23 @@
             </a:extLst>
           </p:cNvPr>
           <p:cNvPicPr>
-            <a:picLocks noChangeAspect="1"/>
+            <a:picLocks noGrp="1" noChangeAspect="1"/>
           </p:cNvPicPr>
-          <p:nvPr/>
+          <p:nvPr>
+            <p:ph type="pic" idx="1"/>
+          </p:nvPr>
         </p:nvPicPr>
         <p:blipFill>
           <a:blip r:embed="rId2"/>
-          <a:srcRect l="44545" t="26263" r="42045" b="23333"/>
+          <a:srcRect l="42826" t="26739" r="40234" b="21792"/>
           <a:stretch>
             <a:fillRect/>
           </a:stretch>
         </p:blipFill>
         <p:spPr>
           <a:xfrm>
-            <a:off x="230909" y="53253"/>
-            <a:ext cx="1634836" cy="3456710"/>
-          </a:xfrm>
-          <a:prstGeom prst="rect">
-            <a:avLst/>
-          </a:prstGeom>
-        </p:spPr>
-      </p:pic>
-      <p:pic>
-        <p:nvPicPr>
-          <p:cNvPr id="7" name="圖片 6" descr="一張含有 文字, 螢幕擷取畫面, 軟體, 電腦圖示 的圖片&#10;&#10;AI 產生的內容可能不正確。">
-            <a:extLst>
-              <a:ext uri="{FF2B5EF4-FFF2-40B4-BE49-F238E27FC236}">
-                <a16:creationId xmlns:a16="http://schemas.microsoft.com/office/drawing/2014/main" id="{CA5CB0B1-105C-9765-F1F0-FA5322CC5C92}"/>
-              </a:ext>
-            </a:extLst>
-          </p:cNvPr>
-          <p:cNvPicPr>
-            <a:picLocks noChangeAspect="1"/>
-          </p:cNvPicPr>
-          <p:nvPr/>
-        </p:nvPicPr>
-        <p:blipFill>
-          <a:blip r:embed="rId3"/>
-          <a:srcRect l="39393" t="13064" r="41743" b="16366"/>
-          <a:stretch>
-            <a:fillRect/>
-          </a:stretch>
-        </p:blipFill>
-        <p:spPr>
-          <a:xfrm>
-            <a:off x="1985797" y="53253"/>
-            <a:ext cx="1856549" cy="3906837"/>
-          </a:xfrm>
-          <a:prstGeom prst="rect">
-            <a:avLst/>
-          </a:prstGeom>
-        </p:spPr>
-      </p:pic>
-      <p:pic>
-        <p:nvPicPr>
-          <p:cNvPr id="9" name="圖片 8" descr="一張含有 文字, 螢幕擷取畫面, 軟體, 電腦圖示 的圖片&#10;&#10;AI 產生的內容可能不正確。">
-            <a:extLst>
-              <a:ext uri="{FF2B5EF4-FFF2-40B4-BE49-F238E27FC236}">
-                <a16:creationId xmlns:a16="http://schemas.microsoft.com/office/drawing/2014/main" id="{23C87F96-3C41-5411-6B11-44248FB0D204}"/>
-              </a:ext>
-            </a:extLst>
-          </p:cNvPr>
-          <p:cNvPicPr>
-            <a:picLocks noChangeAspect="1"/>
-          </p:cNvPicPr>
-          <p:nvPr/>
-        </p:nvPicPr>
-        <p:blipFill>
-          <a:blip r:embed="rId4"/>
-          <a:srcRect l="44545" t="18720" r="37879" b="14141"/>
-          <a:stretch>
-            <a:fillRect/>
-          </a:stretch>
-        </p:blipFill>
-        <p:spPr>
-          <a:xfrm>
-            <a:off x="3962398" y="53253"/>
-            <a:ext cx="1976622" cy="4098493"/>
-          </a:xfrm>
-          <a:prstGeom prst="rect">
-            <a:avLst/>
-          </a:prstGeom>
-        </p:spPr>
-      </p:pic>
-      <p:pic>
-        <p:nvPicPr>
-          <p:cNvPr id="11" name="圖片 10" descr="一張含有 文字, 螢幕擷取畫面, 軟體, 電腦圖示 的圖片&#10;&#10;AI 產生的內容可能不正確。">
-            <a:extLst>
-              <a:ext uri="{FF2B5EF4-FFF2-40B4-BE49-F238E27FC236}">
-                <a16:creationId xmlns:a16="http://schemas.microsoft.com/office/drawing/2014/main" id="{D91663FD-0D41-E7FD-5A93-11B414CCAEBA}"/>
-              </a:ext>
-            </a:extLst>
-          </p:cNvPr>
-          <p:cNvPicPr>
-            <a:picLocks noChangeAspect="1"/>
-          </p:cNvPicPr>
-          <p:nvPr/>
-        </p:nvPicPr>
-        <p:blipFill>
-          <a:blip r:embed="rId5"/>
-          <a:srcRect l="42121" t="12660" r="40151" b="20808"/>
-          <a:stretch>
-            <a:fillRect/>
-          </a:stretch>
-        </p:blipFill>
-        <p:spPr>
-          <a:xfrm>
-            <a:off x="6096000" y="0"/>
-            <a:ext cx="1941374" cy="4098493"/>
-          </a:xfrm>
-          <a:prstGeom prst="rect">
-            <a:avLst/>
-          </a:prstGeom>
-        </p:spPr>
-      </p:pic>
-      <p:pic>
-        <p:nvPicPr>
-          <p:cNvPr id="13" name="圖片 12" descr="一張含有 文字, 螢幕擷取畫面, 軟體, 電腦圖示 的圖片&#10;&#10;AI 產生的內容可能不正確。">
-            <a:extLst>
-              <a:ext uri="{FF2B5EF4-FFF2-40B4-BE49-F238E27FC236}">
-                <a16:creationId xmlns:a16="http://schemas.microsoft.com/office/drawing/2014/main" id="{F26EB425-F3BA-F1FB-3DCB-2FF526D86705}"/>
-              </a:ext>
-            </a:extLst>
-          </p:cNvPr>
-          <p:cNvPicPr>
-            <a:picLocks noChangeAspect="1"/>
-          </p:cNvPicPr>
-          <p:nvPr/>
-        </p:nvPicPr>
-        <p:blipFill>
-          <a:blip r:embed="rId6"/>
-          <a:srcRect l="39697" t="12660" r="42424" b="21481"/>
-          <a:stretch>
-            <a:fillRect/>
-          </a:stretch>
-        </p:blipFill>
-        <p:spPr>
-          <a:xfrm>
-            <a:off x="8037374" y="-27853"/>
-            <a:ext cx="1924651" cy="3987943"/>
-          </a:xfrm>
-          <a:prstGeom prst="rect">
-            <a:avLst/>
-          </a:prstGeom>
-        </p:spPr>
-      </p:pic>
-      <p:pic>
-        <p:nvPicPr>
-          <p:cNvPr id="15" name="圖片 14" descr="一張含有 文字, 螢幕擷取畫面, 軟體, 電腦圖示 的圖片&#10;&#10;AI 產生的內容可能不正確。">
-            <a:extLst>
-              <a:ext uri="{FF2B5EF4-FFF2-40B4-BE49-F238E27FC236}">
-                <a16:creationId xmlns:a16="http://schemas.microsoft.com/office/drawing/2014/main" id="{DE3D7D84-DE67-2EBE-60AC-24302293E6B5}"/>
-              </a:ext>
-            </a:extLst>
-          </p:cNvPr>
-          <p:cNvPicPr>
-            <a:picLocks noChangeAspect="1"/>
-          </p:cNvPicPr>
-          <p:nvPr/>
-        </p:nvPicPr>
-        <p:blipFill>
-          <a:blip r:embed="rId7"/>
-          <a:srcRect l="35303" t="16366" r="47652" b="20000"/>
-          <a:stretch>
-            <a:fillRect/>
-          </a:stretch>
-        </p:blipFill>
-        <p:spPr>
-          <a:xfrm>
-            <a:off x="10090704" y="65881"/>
-            <a:ext cx="2078185" cy="4364038"/>
-          </a:xfrm>
-          <a:prstGeom prst="rect">
-            <a:avLst/>
-          </a:prstGeom>
-        </p:spPr>
-      </p:pic>
-      <p:pic>
-        <p:nvPicPr>
-          <p:cNvPr id="17" name="圖片 16" descr="一張含有 文字, 螢幕擷取畫面, 軟體, 電腦圖示 的圖片&#10;&#10;AI 產生的內容可能不正確。">
-            <a:extLst>
-              <a:ext uri="{FF2B5EF4-FFF2-40B4-BE49-F238E27FC236}">
-                <a16:creationId xmlns:a16="http://schemas.microsoft.com/office/drawing/2014/main" id="{3BD86DB3-E668-906E-F9EC-5C6E105A8B87}"/>
-              </a:ext>
-            </a:extLst>
-          </p:cNvPr>
-          <p:cNvPicPr>
-            <a:picLocks noChangeAspect="1"/>
-          </p:cNvPicPr>
-          <p:nvPr/>
-        </p:nvPicPr>
-        <p:blipFill>
-          <a:blip r:embed="rId8"/>
-          <a:srcRect l="45758" t="16366" r="37197" b="19816"/>
-          <a:stretch>
-            <a:fillRect/>
-          </a:stretch>
-        </p:blipFill>
-        <p:spPr>
-          <a:xfrm>
-            <a:off x="198575" y="2378111"/>
-            <a:ext cx="2078185" cy="4376667"/>
-          </a:xfrm>
-          <a:prstGeom prst="rect">
-            <a:avLst/>
-          </a:prstGeom>
-        </p:spPr>
-      </p:pic>
-      <p:pic>
-        <p:nvPicPr>
-          <p:cNvPr id="19" name="圖片 18" descr="一張含有 文字, 螢幕擷取畫面, 軟體, 電腦圖示 的圖片&#10;&#10;AI 產生的內容可能不正確。">
-            <a:extLst>
-              <a:ext uri="{FF2B5EF4-FFF2-40B4-BE49-F238E27FC236}">
-                <a16:creationId xmlns:a16="http://schemas.microsoft.com/office/drawing/2014/main" id="{FB32B59B-77B0-3544-C94E-B77E2054FF25}"/>
-              </a:ext>
-            </a:extLst>
-          </p:cNvPr>
-          <p:cNvPicPr>
-            <a:picLocks noChangeAspect="1"/>
-          </p:cNvPicPr>
-          <p:nvPr/>
-        </p:nvPicPr>
-        <p:blipFill>
-          <a:blip r:embed="rId9"/>
-          <a:srcRect l="66212" t="23333" r="20075" b="23334"/>
-          <a:stretch>
-            <a:fillRect/>
-          </a:stretch>
-        </p:blipFill>
-        <p:spPr>
-          <a:xfrm>
-            <a:off x="2561691" y="2976418"/>
-            <a:ext cx="1671763" cy="3657600"/>
+            <a:off x="6973454" y="350850"/>
+            <a:ext cx="3602182" cy="6156299"/>
           </a:xfrm>
           <a:prstGeom prst="rect">
             <a:avLst/>
@@ -3622,7 +3436,1283 @@
     </p:spTree>
     <p:extLst>
       <p:ext uri="{BB962C8B-B14F-4D97-AF65-F5344CB8AC3E}">
-        <p14:creationId xmlns:p14="http://schemas.microsoft.com/office/powerpoint/2010/main" val="3517552976"/>
+        <p14:creationId xmlns:p14="http://schemas.microsoft.com/office/powerpoint/2010/main" val="822392456"/>
+      </p:ext>
+    </p:extLst>
+  </p:cSld>
+  <p:clrMapOvr>
+    <a:masterClrMapping/>
+  </p:clrMapOvr>
+</p:sld>
+</file>
+
+<file path=ppt/slides/slide2.xml><?xml version="1.0" encoding="utf-8"?>
+<p:sld xmlns:a="http://schemas.openxmlformats.org/drawingml/2006/main" xmlns:r="http://schemas.openxmlformats.org/officeDocument/2006/relationships" xmlns:p="http://schemas.openxmlformats.org/presentationml/2006/main">
+  <p:cSld>
+    <p:spTree>
+      <p:nvGrpSpPr>
+        <p:cNvPr id="1" name="">
+          <a:extLst>
+            <a:ext uri="{FF2B5EF4-FFF2-40B4-BE49-F238E27FC236}">
+              <a16:creationId xmlns:a16="http://schemas.microsoft.com/office/drawing/2014/main" id="{7491505A-26BB-E401-3B56-9658605B3460}"/>
+            </a:ext>
+          </a:extLst>
+        </p:cNvPr>
+        <p:cNvGrpSpPr/>
+        <p:nvPr/>
+      </p:nvGrpSpPr>
+      <p:grpSpPr>
+        <a:xfrm>
+          <a:off x="0" y="0"/>
+          <a:ext cx="0" cy="0"/>
+          <a:chOff x="0" y="0"/>
+          <a:chExt cx="0" cy="0"/>
+        </a:xfrm>
+      </p:grpSpPr>
+      <p:sp>
+        <p:nvSpPr>
+          <p:cNvPr id="4" name="標題 3">
+            <a:extLst>
+              <a:ext uri="{FF2B5EF4-FFF2-40B4-BE49-F238E27FC236}">
+                <a16:creationId xmlns:a16="http://schemas.microsoft.com/office/drawing/2014/main" id="{8E1F2459-48A5-ABD9-1942-2BB178D71FEA}"/>
+              </a:ext>
+            </a:extLst>
+          </p:cNvPr>
+          <p:cNvSpPr>
+            <a:spLocks noGrp="1"/>
+          </p:cNvSpPr>
+          <p:nvPr>
+            <p:ph type="title"/>
+          </p:nvPr>
+        </p:nvSpPr>
+        <p:spPr/>
+        <p:txBody>
+          <a:bodyPr/>
+          <a:lstStyle/>
+          <a:p>
+            <a:r>
+              <a:rPr lang="en-US" altLang="zh-TW" dirty="0"/>
+              <a:t>page_2	</a:t>
+            </a:r>
+            <a:endParaRPr lang="zh-TW" altLang="en-US" dirty="0"/>
+          </a:p>
+        </p:txBody>
+      </p:sp>
+      <p:sp>
+        <p:nvSpPr>
+          <p:cNvPr id="7" name="文字版面配置區 6">
+            <a:extLst>
+              <a:ext uri="{FF2B5EF4-FFF2-40B4-BE49-F238E27FC236}">
+                <a16:creationId xmlns:a16="http://schemas.microsoft.com/office/drawing/2014/main" id="{8283B577-F1BF-FBC1-CEEB-10643BD4B7D4}"/>
+              </a:ext>
+            </a:extLst>
+          </p:cNvPr>
+          <p:cNvSpPr>
+            <a:spLocks noGrp="1"/>
+          </p:cNvSpPr>
+          <p:nvPr>
+            <p:ph type="body" sz="half" idx="2"/>
+          </p:nvPr>
+        </p:nvSpPr>
+        <p:spPr/>
+        <p:txBody>
+          <a:bodyPr>
+            <a:normAutofit lnSpcReduction="10000"/>
+          </a:bodyPr>
+          <a:lstStyle/>
+          <a:p>
+            <a:r>
+              <a:rPr lang="zh-TW" altLang="en-US" dirty="0"/>
+              <a:t>辨識後出現項目，並且有商品價格及數量</a:t>
+            </a:r>
+            <a:r>
+              <a:rPr lang="en-US" altLang="zh-TW" dirty="0"/>
+              <a:t>(ex:</a:t>
+            </a:r>
+            <a:r>
+              <a:rPr lang="zh-TW" altLang="en-US" dirty="0"/>
+              <a:t>紅標米酒</a:t>
+            </a:r>
+            <a:r>
+              <a:rPr lang="en-US" altLang="zh-TW" dirty="0"/>
+              <a:t>_</a:t>
+            </a:r>
+            <a:r>
+              <a:rPr lang="zh-TW" altLang="en-US" dirty="0"/>
+              <a:t>料理米酒 </a:t>
+            </a:r>
+            <a:r>
+              <a:rPr lang="en-US" altLang="zh-TW" dirty="0"/>
+              <a:t>27</a:t>
+            </a:r>
+            <a:r>
+              <a:rPr lang="zh-TW" altLang="en-US" dirty="0"/>
+              <a:t>元 </a:t>
+            </a:r>
+            <a:r>
+              <a:rPr lang="en-US" altLang="zh-TW" dirty="0"/>
+              <a:t>2</a:t>
+            </a:r>
+            <a:r>
+              <a:rPr lang="zh-TW" altLang="en-US" dirty="0"/>
+              <a:t>瓶</a:t>
+            </a:r>
+            <a:r>
+              <a:rPr lang="en-US" altLang="zh-TW" dirty="0"/>
+              <a:t>)</a:t>
+            </a:r>
+          </a:p>
+          <a:p>
+            <a:r>
+              <a:rPr lang="zh-TW" altLang="en-US" dirty="0"/>
+              <a:t>下方有個總</a:t>
+            </a:r>
+            <a:r>
+              <a:rPr lang="en-US" altLang="zh-TW" dirty="0"/>
+              <a:t>total</a:t>
+            </a:r>
+            <a:r>
+              <a:rPr lang="zh-TW" altLang="en-US" dirty="0"/>
+              <a:t>多少元，這樣就算完成一次辨識。</a:t>
+            </a:r>
+            <a:endParaRPr lang="en-US" altLang="zh-TW" dirty="0"/>
+          </a:p>
+          <a:p>
+            <a:r>
+              <a:rPr lang="zh-TW" altLang="en-US" dirty="0"/>
+              <a:t>還有每個商品都有刪除鈕，每個項目都有一個紅色叉叉，假如買兩瓶，按一次刪除一瓶，再按一次則全刪。</a:t>
+            </a:r>
+            <a:endParaRPr lang="en-US" altLang="zh-TW" dirty="0"/>
+          </a:p>
+          <a:p>
+            <a:r>
+              <a:rPr lang="en-US" altLang="zh-TW" dirty="0" err="1"/>
+              <a:t>Totalq</a:t>
+            </a:r>
+            <a:r>
+              <a:rPr lang="en-US" altLang="zh-TW" dirty="0"/>
+              <a:t>;</a:t>
+            </a:r>
+            <a:r>
+              <a:rPr lang="zh-TW" altLang="en-US" dirty="0"/>
+              <a:t>有個返回鈕，可以返回上個辨識拍照頁面，</a:t>
+            </a:r>
+            <a:r>
+              <a:rPr lang="en-US" altLang="zh-TW" dirty="0"/>
+              <a:t>total</a:t>
+            </a:r>
+            <a:r>
+              <a:rPr lang="zh-TW" altLang="en-US" dirty="0"/>
+              <a:t>下方有個酒瓶鈕，這是專門用來把瓶子扣掉</a:t>
+            </a:r>
+            <a:r>
+              <a:rPr lang="en-US" altLang="zh-TW" dirty="0"/>
+              <a:t>2 </a:t>
+            </a:r>
+            <a:r>
+              <a:rPr lang="zh-TW" altLang="en-US" dirty="0"/>
+              <a:t>元，因為有些熟客買酒會拿瓶子回來還，瓶子能夠抵</a:t>
+            </a:r>
+            <a:r>
+              <a:rPr lang="en-US" altLang="zh-TW" dirty="0"/>
+              <a:t>2</a:t>
+            </a:r>
+            <a:r>
+              <a:rPr lang="zh-TW" altLang="en-US" dirty="0"/>
+              <a:t>塊</a:t>
+            </a:r>
+            <a:r>
+              <a:rPr lang="en-US" altLang="zh-TW" dirty="0"/>
+              <a:t>(</a:t>
+            </a:r>
+            <a:r>
+              <a:rPr lang="zh-TW" altLang="en-US" dirty="0"/>
+              <a:t>紅標米酒</a:t>
+            </a:r>
+            <a:r>
+              <a:rPr lang="en-US" altLang="zh-TW" dirty="0"/>
+              <a:t>_</a:t>
+            </a:r>
+            <a:r>
+              <a:rPr lang="zh-TW" altLang="en-US" dirty="0"/>
+              <a:t>料理米酒這一瓶就會變成</a:t>
+            </a:r>
+            <a:r>
+              <a:rPr lang="en-US" altLang="zh-TW" dirty="0"/>
+              <a:t>25</a:t>
+            </a:r>
+            <a:r>
+              <a:rPr lang="zh-TW" altLang="en-US" dirty="0"/>
+              <a:t>元，設置成只要按下就會讓料理米酒價格變</a:t>
+            </a:r>
+            <a:r>
+              <a:rPr lang="en-US" altLang="zh-TW" dirty="0"/>
+              <a:t>25</a:t>
+            </a:r>
+            <a:r>
+              <a:rPr lang="zh-TW" altLang="en-US" dirty="0"/>
+              <a:t>元，除非按返回鍵到辨識畫面重新變回</a:t>
+            </a:r>
+            <a:r>
+              <a:rPr lang="en-US" altLang="zh-TW" dirty="0"/>
+              <a:t>27</a:t>
+            </a:r>
+            <a:r>
+              <a:rPr lang="zh-TW" altLang="en-US" dirty="0"/>
+              <a:t>元</a:t>
+            </a:r>
+            <a:r>
+              <a:rPr lang="en-US" altLang="zh-TW" dirty="0"/>
+              <a:t>)</a:t>
+            </a:r>
+            <a:r>
+              <a:rPr lang="zh-TW" altLang="en-US" dirty="0"/>
+              <a:t>。</a:t>
+            </a:r>
+            <a:endParaRPr lang="en-US" altLang="zh-TW" dirty="0"/>
+          </a:p>
+          <a:p>
+            <a:r>
+              <a:rPr lang="zh-TW" altLang="en-US" dirty="0"/>
+              <a:t>返回鍵下方有超市推車鈕，按下會到另一個頁面增加沒有辨識到的商品。</a:t>
+            </a:r>
+          </a:p>
+        </p:txBody>
+      </p:sp>
+      <p:pic>
+        <p:nvPicPr>
+          <p:cNvPr id="8" name="圖片版面配置區 7">
+            <a:extLst>
+              <a:ext uri="{FF2B5EF4-FFF2-40B4-BE49-F238E27FC236}">
+                <a16:creationId xmlns:a16="http://schemas.microsoft.com/office/drawing/2014/main" id="{5624F19B-3358-81F9-C17F-39525F98B9B9}"/>
+              </a:ext>
+            </a:extLst>
+          </p:cNvPr>
+          <p:cNvPicPr>
+            <a:picLocks noGrp="1" noChangeAspect="1"/>
+          </p:cNvPicPr>
+          <p:nvPr>
+            <p:ph type="pic" idx="1"/>
+          </p:nvPr>
+        </p:nvPicPr>
+        <p:blipFill>
+          <a:blip r:embed="rId2">
+            <a:extLst>
+              <a:ext uri="{28A0092B-C50C-407E-A947-70E740481C1C}">
+                <a14:useLocalDpi xmlns:a14="http://schemas.microsoft.com/office/drawing/2010/main" val="0"/>
+              </a:ext>
+            </a:extLst>
+          </a:blip>
+          <a:srcRect t="111" b="-436"/>
+          <a:stretch>
+            <a:fillRect/>
+          </a:stretch>
+        </p:blipFill>
+        <p:spPr>
+          <a:xfrm>
+            <a:off x="7419977" y="189346"/>
+            <a:ext cx="3423514" cy="6185897"/>
+          </a:xfrm>
+          <a:prstGeom prst="rect">
+            <a:avLst/>
+          </a:prstGeom>
+        </p:spPr>
+      </p:pic>
+    </p:spTree>
+    <p:extLst>
+      <p:ext uri="{BB962C8B-B14F-4D97-AF65-F5344CB8AC3E}">
+        <p14:creationId xmlns:p14="http://schemas.microsoft.com/office/powerpoint/2010/main" val="497454445"/>
+      </p:ext>
+    </p:extLst>
+  </p:cSld>
+  <p:clrMapOvr>
+    <a:masterClrMapping/>
+  </p:clrMapOvr>
+</p:sld>
+</file>
+
+<file path=ppt/slides/slide3.xml><?xml version="1.0" encoding="utf-8"?>
+<p:sld xmlns:a="http://schemas.openxmlformats.org/drawingml/2006/main" xmlns:r="http://schemas.openxmlformats.org/officeDocument/2006/relationships" xmlns:p="http://schemas.openxmlformats.org/presentationml/2006/main">
+  <p:cSld>
+    <p:spTree>
+      <p:nvGrpSpPr>
+        <p:cNvPr id="1" name="">
+          <a:extLst>
+            <a:ext uri="{FF2B5EF4-FFF2-40B4-BE49-F238E27FC236}">
+              <a16:creationId xmlns:a16="http://schemas.microsoft.com/office/drawing/2014/main" id="{94BB491A-5F19-E697-C745-75ABA4F8D496}"/>
+            </a:ext>
+          </a:extLst>
+        </p:cNvPr>
+        <p:cNvGrpSpPr/>
+        <p:nvPr/>
+      </p:nvGrpSpPr>
+      <p:grpSpPr>
+        <a:xfrm>
+          <a:off x="0" y="0"/>
+          <a:ext cx="0" cy="0"/>
+          <a:chOff x="0" y="0"/>
+          <a:chExt cx="0" cy="0"/>
+        </a:xfrm>
+      </p:grpSpPr>
+      <p:sp>
+        <p:nvSpPr>
+          <p:cNvPr id="4" name="標題 3">
+            <a:extLst>
+              <a:ext uri="{FF2B5EF4-FFF2-40B4-BE49-F238E27FC236}">
+                <a16:creationId xmlns:a16="http://schemas.microsoft.com/office/drawing/2014/main" id="{69F0824E-9253-AA98-ACCA-1CBD45F6BA0B}"/>
+              </a:ext>
+            </a:extLst>
+          </p:cNvPr>
+          <p:cNvSpPr>
+            <a:spLocks noGrp="1"/>
+          </p:cNvSpPr>
+          <p:nvPr>
+            <p:ph type="title"/>
+          </p:nvPr>
+        </p:nvSpPr>
+        <p:spPr/>
+        <p:txBody>
+          <a:bodyPr/>
+          <a:lstStyle/>
+          <a:p>
+            <a:r>
+              <a:rPr lang="en-US" altLang="zh-TW" dirty="0"/>
+              <a:t>page_3	</a:t>
+            </a:r>
+            <a:endParaRPr lang="zh-TW" altLang="en-US" dirty="0"/>
+          </a:p>
+        </p:txBody>
+      </p:sp>
+      <p:sp>
+        <p:nvSpPr>
+          <p:cNvPr id="7" name="文字版面配置區 6">
+            <a:extLst>
+              <a:ext uri="{FF2B5EF4-FFF2-40B4-BE49-F238E27FC236}">
+                <a16:creationId xmlns:a16="http://schemas.microsoft.com/office/drawing/2014/main" id="{094F7B63-855B-9807-A5C9-4CE820402C8C}"/>
+              </a:ext>
+            </a:extLst>
+          </p:cNvPr>
+          <p:cNvSpPr>
+            <a:spLocks noGrp="1"/>
+          </p:cNvSpPr>
+          <p:nvPr>
+            <p:ph type="body" sz="half" idx="2"/>
+          </p:nvPr>
+        </p:nvSpPr>
+        <p:spPr/>
+        <p:txBody>
+          <a:bodyPr>
+            <a:normAutofit/>
+          </a:bodyPr>
+          <a:lstStyle/>
+          <a:p>
+            <a:r>
+              <a:rPr lang="zh-TW" altLang="en-US" dirty="0"/>
+              <a:t>這個頁面演示本來總</a:t>
+            </a:r>
+            <a:r>
+              <a:rPr lang="en-US" altLang="zh-TW" dirty="0"/>
+              <a:t>total</a:t>
+            </a:r>
+            <a:r>
+              <a:rPr lang="zh-TW" altLang="en-US" dirty="0"/>
+              <a:t>是</a:t>
+            </a:r>
+            <a:r>
+              <a:rPr lang="en-US" altLang="zh-TW" dirty="0"/>
+              <a:t>603</a:t>
+            </a:r>
+            <a:r>
+              <a:rPr lang="zh-TW" altLang="en-US" dirty="0"/>
+              <a:t>元，按下紅標米酒</a:t>
+            </a:r>
+            <a:r>
+              <a:rPr lang="en-US" altLang="zh-TW" dirty="0"/>
+              <a:t>_</a:t>
+            </a:r>
+            <a:r>
+              <a:rPr lang="zh-TW" altLang="en-US" dirty="0"/>
+              <a:t>料理米酒商品項目的紅叉叉變回一瓶後，自動計算</a:t>
+            </a:r>
+            <a:r>
+              <a:rPr lang="en-US" altLang="zh-TW" dirty="0"/>
+              <a:t>total</a:t>
+            </a:r>
+            <a:r>
+              <a:rPr lang="zh-TW" altLang="en-US" dirty="0"/>
+              <a:t>。</a:t>
+            </a:r>
+            <a:endParaRPr lang="en-US" altLang="zh-TW" dirty="0"/>
+          </a:p>
+          <a:p>
+            <a:endParaRPr lang="zh-TW" altLang="en-US" dirty="0"/>
+          </a:p>
+        </p:txBody>
+      </p:sp>
+      <p:pic>
+        <p:nvPicPr>
+          <p:cNvPr id="8" name="圖片版面配置區 7">
+            <a:extLst>
+              <a:ext uri="{FF2B5EF4-FFF2-40B4-BE49-F238E27FC236}">
+                <a16:creationId xmlns:a16="http://schemas.microsoft.com/office/drawing/2014/main" id="{DF7FA49A-ACE5-586A-EB74-5C5E25928CA4}"/>
+              </a:ext>
+            </a:extLst>
+          </p:cNvPr>
+          <p:cNvPicPr>
+            <a:picLocks noGrp="1" noChangeAspect="1"/>
+          </p:cNvPicPr>
+          <p:nvPr>
+            <p:ph type="pic" idx="1"/>
+          </p:nvPr>
+        </p:nvPicPr>
+        <p:blipFill>
+          <a:blip r:embed="rId2">
+            <a:extLst>
+              <a:ext uri="{28A0092B-C50C-407E-A947-70E740481C1C}">
+                <a14:useLocalDpi xmlns:a14="http://schemas.microsoft.com/office/drawing/2010/main" val="0"/>
+              </a:ext>
+            </a:extLst>
+          </a:blip>
+          <a:srcRect t="264" b="1008"/>
+          <a:stretch>
+            <a:fillRect/>
+          </a:stretch>
+        </p:blipFill>
+        <p:spPr>
+          <a:xfrm>
+            <a:off x="7807905" y="600363"/>
+            <a:ext cx="2891268" cy="5920509"/>
+          </a:xfrm>
+          <a:prstGeom prst="rect">
+            <a:avLst/>
+          </a:prstGeom>
+        </p:spPr>
+      </p:pic>
+    </p:spTree>
+    <p:extLst>
+      <p:ext uri="{BB962C8B-B14F-4D97-AF65-F5344CB8AC3E}">
+        <p14:creationId xmlns:p14="http://schemas.microsoft.com/office/powerpoint/2010/main" val="767683406"/>
+      </p:ext>
+    </p:extLst>
+  </p:cSld>
+  <p:clrMapOvr>
+    <a:masterClrMapping/>
+  </p:clrMapOvr>
+</p:sld>
+</file>
+
+<file path=ppt/slides/slide4.xml><?xml version="1.0" encoding="utf-8"?>
+<p:sld xmlns:a="http://schemas.openxmlformats.org/drawingml/2006/main" xmlns:r="http://schemas.openxmlformats.org/officeDocument/2006/relationships" xmlns:p="http://schemas.openxmlformats.org/presentationml/2006/main">
+  <p:cSld>
+    <p:spTree>
+      <p:nvGrpSpPr>
+        <p:cNvPr id="1" name="">
+          <a:extLst>
+            <a:ext uri="{FF2B5EF4-FFF2-40B4-BE49-F238E27FC236}">
+              <a16:creationId xmlns:a16="http://schemas.microsoft.com/office/drawing/2014/main" id="{CA605EDD-CE1F-D04D-44DD-B036AFE5E199}"/>
+            </a:ext>
+          </a:extLst>
+        </p:cNvPr>
+        <p:cNvGrpSpPr/>
+        <p:nvPr/>
+      </p:nvGrpSpPr>
+      <p:grpSpPr>
+        <a:xfrm>
+          <a:off x="0" y="0"/>
+          <a:ext cx="0" cy="0"/>
+          <a:chOff x="0" y="0"/>
+          <a:chExt cx="0" cy="0"/>
+        </a:xfrm>
+      </p:grpSpPr>
+      <p:sp>
+        <p:nvSpPr>
+          <p:cNvPr id="4" name="標題 3">
+            <a:extLst>
+              <a:ext uri="{FF2B5EF4-FFF2-40B4-BE49-F238E27FC236}">
+                <a16:creationId xmlns:a16="http://schemas.microsoft.com/office/drawing/2014/main" id="{C1631812-2AA5-ABCA-36D4-D0F658E20A5D}"/>
+              </a:ext>
+            </a:extLst>
+          </p:cNvPr>
+          <p:cNvSpPr>
+            <a:spLocks noGrp="1"/>
+          </p:cNvSpPr>
+          <p:nvPr>
+            <p:ph type="title"/>
+          </p:nvPr>
+        </p:nvSpPr>
+        <p:spPr/>
+        <p:txBody>
+          <a:bodyPr/>
+          <a:lstStyle/>
+          <a:p>
+            <a:r>
+              <a:rPr lang="en-US" altLang="zh-TW" dirty="0"/>
+              <a:t>page_4	</a:t>
+            </a:r>
+            <a:endParaRPr lang="zh-TW" altLang="en-US" dirty="0"/>
+          </a:p>
+        </p:txBody>
+      </p:sp>
+      <p:sp>
+        <p:nvSpPr>
+          <p:cNvPr id="7" name="文字版面配置區 6">
+            <a:extLst>
+              <a:ext uri="{FF2B5EF4-FFF2-40B4-BE49-F238E27FC236}">
+                <a16:creationId xmlns:a16="http://schemas.microsoft.com/office/drawing/2014/main" id="{8C359DAE-39FF-8F47-2AE0-27766CF6C350}"/>
+              </a:ext>
+            </a:extLst>
+          </p:cNvPr>
+          <p:cNvSpPr>
+            <a:spLocks noGrp="1"/>
+          </p:cNvSpPr>
+          <p:nvPr>
+            <p:ph type="body" sz="half" idx="2"/>
+          </p:nvPr>
+        </p:nvSpPr>
+        <p:spPr/>
+        <p:txBody>
+          <a:bodyPr>
+            <a:normAutofit/>
+          </a:bodyPr>
+          <a:lstStyle/>
+          <a:p>
+            <a:r>
+              <a:rPr lang="zh-TW" altLang="en-US" dirty="0"/>
+              <a:t>這是按下超商推車按鍵後到另一個頁面，上方有搜尋鈕及框，假如打 紅 一個字後會出現跟紅相關的商品。</a:t>
+            </a:r>
+            <a:endParaRPr lang="en-US" altLang="zh-TW" dirty="0"/>
+          </a:p>
+        </p:txBody>
+      </p:sp>
+      <p:pic>
+        <p:nvPicPr>
+          <p:cNvPr id="8" name="圖片版面配置區 7">
+            <a:extLst>
+              <a:ext uri="{FF2B5EF4-FFF2-40B4-BE49-F238E27FC236}">
+                <a16:creationId xmlns:a16="http://schemas.microsoft.com/office/drawing/2014/main" id="{F11E60B6-0B8F-3C9C-F19D-1ABAE653BB0C}"/>
+              </a:ext>
+            </a:extLst>
+          </p:cNvPr>
+          <p:cNvPicPr>
+            <a:picLocks noGrp="1" noChangeAspect="1"/>
+          </p:cNvPicPr>
+          <p:nvPr>
+            <p:ph type="pic" idx="1"/>
+          </p:nvPr>
+        </p:nvPicPr>
+        <p:blipFill>
+          <a:blip r:embed="rId2">
+            <a:extLst>
+              <a:ext uri="{28A0092B-C50C-407E-A947-70E740481C1C}">
+                <a14:useLocalDpi xmlns:a14="http://schemas.microsoft.com/office/drawing/2010/main" val="0"/>
+              </a:ext>
+            </a:extLst>
+          </a:blip>
+          <a:srcRect t="1549" b="1549"/>
+          <a:stretch/>
+        </p:blipFill>
+        <p:spPr>
+          <a:xfrm>
+            <a:off x="7807905" y="600363"/>
+            <a:ext cx="2891268" cy="5920509"/>
+          </a:xfrm>
+          <a:prstGeom prst="rect">
+            <a:avLst/>
+          </a:prstGeom>
+        </p:spPr>
+      </p:pic>
+    </p:spTree>
+    <p:extLst>
+      <p:ext uri="{BB962C8B-B14F-4D97-AF65-F5344CB8AC3E}">
+        <p14:creationId xmlns:p14="http://schemas.microsoft.com/office/powerpoint/2010/main" val="297328615"/>
+      </p:ext>
+    </p:extLst>
+  </p:cSld>
+  <p:clrMapOvr>
+    <a:masterClrMapping/>
+  </p:clrMapOvr>
+</p:sld>
+</file>
+
+<file path=ppt/slides/slide5.xml><?xml version="1.0" encoding="utf-8"?>
+<p:sld xmlns:a="http://schemas.openxmlformats.org/drawingml/2006/main" xmlns:r="http://schemas.openxmlformats.org/officeDocument/2006/relationships" xmlns:p="http://schemas.openxmlformats.org/presentationml/2006/main">
+  <p:cSld>
+    <p:spTree>
+      <p:nvGrpSpPr>
+        <p:cNvPr id="1" name="">
+          <a:extLst>
+            <a:ext uri="{FF2B5EF4-FFF2-40B4-BE49-F238E27FC236}">
+              <a16:creationId xmlns:a16="http://schemas.microsoft.com/office/drawing/2014/main" id="{2925CAED-C455-444C-B488-04C3B95ABB60}"/>
+            </a:ext>
+          </a:extLst>
+        </p:cNvPr>
+        <p:cNvGrpSpPr/>
+        <p:nvPr/>
+      </p:nvGrpSpPr>
+      <p:grpSpPr>
+        <a:xfrm>
+          <a:off x="0" y="0"/>
+          <a:ext cx="0" cy="0"/>
+          <a:chOff x="0" y="0"/>
+          <a:chExt cx="0" cy="0"/>
+        </a:xfrm>
+      </p:grpSpPr>
+      <p:sp>
+        <p:nvSpPr>
+          <p:cNvPr id="4" name="標題 3">
+            <a:extLst>
+              <a:ext uri="{FF2B5EF4-FFF2-40B4-BE49-F238E27FC236}">
+                <a16:creationId xmlns:a16="http://schemas.microsoft.com/office/drawing/2014/main" id="{118FDD0D-4FA3-E9E1-4B62-11D6E785FC70}"/>
+              </a:ext>
+            </a:extLst>
+          </p:cNvPr>
+          <p:cNvSpPr>
+            <a:spLocks noGrp="1"/>
+          </p:cNvSpPr>
+          <p:nvPr>
+            <p:ph type="title"/>
+          </p:nvPr>
+        </p:nvSpPr>
+        <p:spPr/>
+        <p:txBody>
+          <a:bodyPr/>
+          <a:lstStyle/>
+          <a:p>
+            <a:r>
+              <a:rPr lang="en-US" altLang="zh-TW" dirty="0"/>
+              <a:t>page_5	</a:t>
+            </a:r>
+            <a:endParaRPr lang="zh-TW" altLang="en-US" dirty="0"/>
+          </a:p>
+        </p:txBody>
+      </p:sp>
+      <p:sp>
+        <p:nvSpPr>
+          <p:cNvPr id="7" name="文字版面配置區 6">
+            <a:extLst>
+              <a:ext uri="{FF2B5EF4-FFF2-40B4-BE49-F238E27FC236}">
+                <a16:creationId xmlns:a16="http://schemas.microsoft.com/office/drawing/2014/main" id="{FA67CF35-9358-8C11-D413-1004678445A7}"/>
+              </a:ext>
+            </a:extLst>
+          </p:cNvPr>
+          <p:cNvSpPr>
+            <a:spLocks noGrp="1"/>
+          </p:cNvSpPr>
+          <p:nvPr>
+            <p:ph type="body" sz="half" idx="2"/>
+          </p:nvPr>
+        </p:nvSpPr>
+        <p:spPr/>
+        <p:txBody>
+          <a:bodyPr>
+            <a:normAutofit/>
+          </a:bodyPr>
+          <a:lstStyle/>
+          <a:p>
+            <a:r>
+              <a:rPr lang="zh-TW" altLang="en-US" dirty="0"/>
+              <a:t>當按下其中一個商品項目框後，數量表格變更為</a:t>
+            </a:r>
+            <a:r>
+              <a:rPr lang="en-US" altLang="zh-TW" dirty="0"/>
+              <a:t>1</a:t>
+            </a:r>
+            <a:r>
+              <a:rPr lang="zh-TW" altLang="en-US" dirty="0"/>
+              <a:t>。並且要按下下方的推車按鈕之後會顯示訊息框文字如</a:t>
+            </a:r>
+            <a:r>
+              <a:rPr lang="en-US" altLang="zh-TW" dirty="0"/>
+              <a:t>page_6</a:t>
+            </a:r>
+            <a:r>
+              <a:rPr lang="zh-TW" altLang="en-US" dirty="0"/>
+              <a:t>。</a:t>
+            </a:r>
+            <a:endParaRPr lang="en-US" altLang="zh-TW" dirty="0"/>
+          </a:p>
+          <a:p>
+            <a:endParaRPr lang="en-US" altLang="zh-TW" dirty="0"/>
+          </a:p>
+          <a:p>
+            <a:r>
+              <a:rPr lang="zh-TW" altLang="en-US" dirty="0"/>
+              <a:t>這裡提示一下，如果只有按商品項目框沒有按超商推車鍵就查詢另一個商品，等你重新查紅標米酒會變回數量 </a:t>
+            </a:r>
+            <a:r>
+              <a:rPr lang="en-US" altLang="zh-TW" dirty="0"/>
+              <a:t>0</a:t>
+            </a:r>
+            <a:r>
+              <a:rPr lang="zh-TW" altLang="en-US" dirty="0"/>
+              <a:t>。</a:t>
+            </a:r>
+            <a:endParaRPr lang="en-US" altLang="zh-TW" dirty="0"/>
+          </a:p>
+        </p:txBody>
+      </p:sp>
+      <p:pic>
+        <p:nvPicPr>
+          <p:cNvPr id="8" name="圖片版面配置區 7">
+            <a:extLst>
+              <a:ext uri="{FF2B5EF4-FFF2-40B4-BE49-F238E27FC236}">
+                <a16:creationId xmlns:a16="http://schemas.microsoft.com/office/drawing/2014/main" id="{E539822F-3BF4-18FC-72FF-BF5BF8BFED44}"/>
+              </a:ext>
+            </a:extLst>
+          </p:cNvPr>
+          <p:cNvPicPr>
+            <a:picLocks noGrp="1" noChangeAspect="1"/>
+          </p:cNvPicPr>
+          <p:nvPr>
+            <p:ph type="pic" idx="1"/>
+          </p:nvPr>
+        </p:nvPicPr>
+        <p:blipFill>
+          <a:blip r:embed="rId2">
+            <a:extLst>
+              <a:ext uri="{28A0092B-C50C-407E-A947-70E740481C1C}">
+                <a14:useLocalDpi xmlns:a14="http://schemas.microsoft.com/office/drawing/2010/main" val="0"/>
+              </a:ext>
+            </a:extLst>
+          </a:blip>
+          <a:srcRect t="605" b="605"/>
+          <a:stretch/>
+        </p:blipFill>
+        <p:spPr>
+          <a:xfrm>
+            <a:off x="7807905" y="600363"/>
+            <a:ext cx="2891268" cy="5920509"/>
+          </a:xfrm>
+          <a:prstGeom prst="rect">
+            <a:avLst/>
+          </a:prstGeom>
+        </p:spPr>
+      </p:pic>
+    </p:spTree>
+    <p:extLst>
+      <p:ext uri="{BB962C8B-B14F-4D97-AF65-F5344CB8AC3E}">
+        <p14:creationId xmlns:p14="http://schemas.microsoft.com/office/powerpoint/2010/main" val="2195560747"/>
+      </p:ext>
+    </p:extLst>
+  </p:cSld>
+  <p:clrMapOvr>
+    <a:masterClrMapping/>
+  </p:clrMapOvr>
+</p:sld>
+</file>
+
+<file path=ppt/slides/slide6.xml><?xml version="1.0" encoding="utf-8"?>
+<p:sld xmlns:a="http://schemas.openxmlformats.org/drawingml/2006/main" xmlns:r="http://schemas.openxmlformats.org/officeDocument/2006/relationships" xmlns:p="http://schemas.openxmlformats.org/presentationml/2006/main">
+  <p:cSld>
+    <p:spTree>
+      <p:nvGrpSpPr>
+        <p:cNvPr id="1" name="">
+          <a:extLst>
+            <a:ext uri="{FF2B5EF4-FFF2-40B4-BE49-F238E27FC236}">
+              <a16:creationId xmlns:a16="http://schemas.microsoft.com/office/drawing/2014/main" id="{05542D23-F3CA-2AD5-3C10-7A1A93F579C6}"/>
+            </a:ext>
+          </a:extLst>
+        </p:cNvPr>
+        <p:cNvGrpSpPr/>
+        <p:nvPr/>
+      </p:nvGrpSpPr>
+      <p:grpSpPr>
+        <a:xfrm>
+          <a:off x="0" y="0"/>
+          <a:ext cx="0" cy="0"/>
+          <a:chOff x="0" y="0"/>
+          <a:chExt cx="0" cy="0"/>
+        </a:xfrm>
+      </p:grpSpPr>
+      <p:sp>
+        <p:nvSpPr>
+          <p:cNvPr id="4" name="標題 3">
+            <a:extLst>
+              <a:ext uri="{FF2B5EF4-FFF2-40B4-BE49-F238E27FC236}">
+                <a16:creationId xmlns:a16="http://schemas.microsoft.com/office/drawing/2014/main" id="{E62313C0-9135-507C-B1B6-EAD04A781D99}"/>
+              </a:ext>
+            </a:extLst>
+          </p:cNvPr>
+          <p:cNvSpPr>
+            <a:spLocks noGrp="1"/>
+          </p:cNvSpPr>
+          <p:nvPr>
+            <p:ph type="title"/>
+          </p:nvPr>
+        </p:nvSpPr>
+        <p:spPr/>
+        <p:txBody>
+          <a:bodyPr/>
+          <a:lstStyle/>
+          <a:p>
+            <a:r>
+              <a:rPr lang="en-US" altLang="zh-TW" dirty="0"/>
+              <a:t>page_6	</a:t>
+            </a:r>
+            <a:endParaRPr lang="zh-TW" altLang="en-US" dirty="0"/>
+          </a:p>
+        </p:txBody>
+      </p:sp>
+      <p:sp>
+        <p:nvSpPr>
+          <p:cNvPr id="7" name="文字版面配置區 6">
+            <a:extLst>
+              <a:ext uri="{FF2B5EF4-FFF2-40B4-BE49-F238E27FC236}">
+                <a16:creationId xmlns:a16="http://schemas.microsoft.com/office/drawing/2014/main" id="{F169CB44-F4F8-4E18-77B8-0785EF67D089}"/>
+              </a:ext>
+            </a:extLst>
+          </p:cNvPr>
+          <p:cNvSpPr>
+            <a:spLocks noGrp="1"/>
+          </p:cNvSpPr>
+          <p:nvPr>
+            <p:ph type="body" sz="half" idx="2"/>
+          </p:nvPr>
+        </p:nvSpPr>
+        <p:spPr/>
+        <p:txBody>
+          <a:bodyPr>
+            <a:normAutofit/>
+          </a:bodyPr>
+          <a:lstStyle/>
+          <a:p>
+            <a:r>
+              <a:rPr lang="zh-TW" altLang="en-US" dirty="0"/>
+              <a:t>按下商品項目框後數量增加為</a:t>
+            </a:r>
+            <a:r>
+              <a:rPr lang="en-US" altLang="zh-TW" dirty="0"/>
+              <a:t>1</a:t>
+            </a:r>
+            <a:r>
+              <a:rPr lang="zh-TW" altLang="en-US" dirty="0"/>
+              <a:t>同時，跳出訊息框寫道</a:t>
+            </a:r>
+            <a:r>
+              <a:rPr lang="en-US" altLang="zh-TW" dirty="0"/>
+              <a:t>:</a:t>
+            </a:r>
+            <a:r>
+              <a:rPr lang="zh-TW" altLang="en-US" dirty="0"/>
+              <a:t>紅標米酒</a:t>
+            </a:r>
+            <a:r>
+              <a:rPr lang="en-US" altLang="zh-TW" dirty="0"/>
+              <a:t>_</a:t>
+            </a:r>
+            <a:r>
+              <a:rPr lang="zh-TW" altLang="en-US" dirty="0"/>
+              <a:t>料理米酒</a:t>
+            </a:r>
+            <a:r>
+              <a:rPr lang="en-US" altLang="zh-TW" dirty="0"/>
+              <a:t>X1</a:t>
+            </a:r>
+            <a:r>
+              <a:rPr lang="zh-TW" altLang="en-US" dirty="0"/>
+              <a:t>。</a:t>
+            </a:r>
+            <a:endParaRPr lang="en-US" altLang="zh-TW" dirty="0"/>
+          </a:p>
+          <a:p>
+            <a:endParaRPr lang="en-US" altLang="zh-TW" dirty="0"/>
+          </a:p>
+          <a:p>
+            <a:r>
+              <a:rPr lang="zh-TW" altLang="en-US" dirty="0"/>
+              <a:t>最後都輸入完或是查完需要的商品後按下推車鍵旁的返回鍵回到上個頁面。</a:t>
+            </a:r>
+            <a:endParaRPr lang="en-US" altLang="zh-TW" dirty="0"/>
+          </a:p>
+          <a:p>
+            <a:endParaRPr lang="en-US" altLang="zh-TW" dirty="0"/>
+          </a:p>
+        </p:txBody>
+      </p:sp>
+      <p:pic>
+        <p:nvPicPr>
+          <p:cNvPr id="8" name="圖片版面配置區 7">
+            <a:extLst>
+              <a:ext uri="{FF2B5EF4-FFF2-40B4-BE49-F238E27FC236}">
+                <a16:creationId xmlns:a16="http://schemas.microsoft.com/office/drawing/2014/main" id="{CB7DA434-9391-EF99-EBD6-FA34D1B61E2D}"/>
+              </a:ext>
+            </a:extLst>
+          </p:cNvPr>
+          <p:cNvPicPr>
+            <a:picLocks noGrp="1" noChangeAspect="1"/>
+          </p:cNvPicPr>
+          <p:nvPr>
+            <p:ph type="pic" idx="1"/>
+          </p:nvPr>
+        </p:nvPicPr>
+        <p:blipFill>
+          <a:blip r:embed="rId2">
+            <a:extLst>
+              <a:ext uri="{28A0092B-C50C-407E-A947-70E740481C1C}">
+                <a14:useLocalDpi xmlns:a14="http://schemas.microsoft.com/office/drawing/2010/main" val="0"/>
+              </a:ext>
+            </a:extLst>
+          </a:blip>
+          <a:srcRect t="1238" b="1238"/>
+          <a:stretch/>
+        </p:blipFill>
+        <p:spPr>
+          <a:xfrm>
+            <a:off x="7807905" y="600363"/>
+            <a:ext cx="2891268" cy="5920509"/>
+          </a:xfrm>
+          <a:prstGeom prst="rect">
+            <a:avLst/>
+          </a:prstGeom>
+        </p:spPr>
+      </p:pic>
+    </p:spTree>
+    <p:extLst>
+      <p:ext uri="{BB962C8B-B14F-4D97-AF65-F5344CB8AC3E}">
+        <p14:creationId xmlns:p14="http://schemas.microsoft.com/office/powerpoint/2010/main" val="91121434"/>
+      </p:ext>
+    </p:extLst>
+  </p:cSld>
+  <p:clrMapOvr>
+    <a:masterClrMapping/>
+  </p:clrMapOvr>
+</p:sld>
+</file>
+
+<file path=ppt/slides/slide7.xml><?xml version="1.0" encoding="utf-8"?>
+<p:sld xmlns:a="http://schemas.openxmlformats.org/drawingml/2006/main" xmlns:r="http://schemas.openxmlformats.org/officeDocument/2006/relationships" xmlns:p="http://schemas.openxmlformats.org/presentationml/2006/main">
+  <p:cSld>
+    <p:spTree>
+      <p:nvGrpSpPr>
+        <p:cNvPr id="1" name="">
+          <a:extLst>
+            <a:ext uri="{FF2B5EF4-FFF2-40B4-BE49-F238E27FC236}">
+              <a16:creationId xmlns:a16="http://schemas.microsoft.com/office/drawing/2014/main" id="{C1835BBA-D5A9-E69D-D789-BC28BA840EB5}"/>
+            </a:ext>
+          </a:extLst>
+        </p:cNvPr>
+        <p:cNvGrpSpPr/>
+        <p:nvPr/>
+      </p:nvGrpSpPr>
+      <p:grpSpPr>
+        <a:xfrm>
+          <a:off x="0" y="0"/>
+          <a:ext cx="0" cy="0"/>
+          <a:chOff x="0" y="0"/>
+          <a:chExt cx="0" cy="0"/>
+        </a:xfrm>
+      </p:grpSpPr>
+      <p:sp>
+        <p:nvSpPr>
+          <p:cNvPr id="4" name="標題 3">
+            <a:extLst>
+              <a:ext uri="{FF2B5EF4-FFF2-40B4-BE49-F238E27FC236}">
+                <a16:creationId xmlns:a16="http://schemas.microsoft.com/office/drawing/2014/main" id="{E1CB4AFF-B287-74CA-86C9-FCF396854830}"/>
+              </a:ext>
+            </a:extLst>
+          </p:cNvPr>
+          <p:cNvSpPr>
+            <a:spLocks noGrp="1"/>
+          </p:cNvSpPr>
+          <p:nvPr>
+            <p:ph type="title"/>
+          </p:nvPr>
+        </p:nvSpPr>
+        <p:spPr/>
+        <p:txBody>
+          <a:bodyPr/>
+          <a:lstStyle/>
+          <a:p>
+            <a:r>
+              <a:rPr lang="en-US" altLang="zh-TW" dirty="0"/>
+              <a:t>page_7	</a:t>
+            </a:r>
+            <a:endParaRPr lang="zh-TW" altLang="en-US" dirty="0"/>
+          </a:p>
+        </p:txBody>
+      </p:sp>
+      <p:sp>
+        <p:nvSpPr>
+          <p:cNvPr id="7" name="文字版面配置區 6">
+            <a:extLst>
+              <a:ext uri="{FF2B5EF4-FFF2-40B4-BE49-F238E27FC236}">
+                <a16:creationId xmlns:a16="http://schemas.microsoft.com/office/drawing/2014/main" id="{4B539E67-E745-3CBC-FDD7-26905B2193B8}"/>
+              </a:ext>
+            </a:extLst>
+          </p:cNvPr>
+          <p:cNvSpPr>
+            <a:spLocks noGrp="1"/>
+          </p:cNvSpPr>
+          <p:nvPr>
+            <p:ph type="body" sz="half" idx="2"/>
+          </p:nvPr>
+        </p:nvSpPr>
+        <p:spPr/>
+        <p:txBody>
+          <a:bodyPr>
+            <a:normAutofit/>
+          </a:bodyPr>
+          <a:lstStyle/>
+          <a:p>
+            <a:r>
+              <a:rPr lang="zh-TW" altLang="en-US" dirty="0"/>
+              <a:t>這樣子總</a:t>
+            </a:r>
+            <a:r>
+              <a:rPr lang="en-US" altLang="zh-TW" dirty="0"/>
+              <a:t>total</a:t>
+            </a:r>
+            <a:r>
+              <a:rPr lang="zh-TW" altLang="en-US" dirty="0"/>
+              <a:t>變</a:t>
+            </a:r>
+            <a:r>
+              <a:rPr lang="en-US" altLang="zh-TW" dirty="0"/>
+              <a:t>603</a:t>
+            </a:r>
+            <a:r>
+              <a:rPr lang="zh-TW" altLang="en-US" dirty="0"/>
+              <a:t>元，紅標米酒</a:t>
+            </a:r>
+            <a:r>
+              <a:rPr lang="en-US" altLang="zh-TW" dirty="0"/>
+              <a:t>_</a:t>
+            </a:r>
+            <a:r>
+              <a:rPr lang="zh-TW" altLang="en-US" dirty="0"/>
+              <a:t>料理米酒的數量從</a:t>
+            </a:r>
+            <a:r>
+              <a:rPr lang="en-US" altLang="zh-TW" dirty="0"/>
+              <a:t>1</a:t>
+            </a:r>
+            <a:r>
+              <a:rPr lang="zh-TW" altLang="en-US" dirty="0"/>
+              <a:t>變成</a:t>
+            </a:r>
+            <a:r>
+              <a:rPr lang="en-US" altLang="zh-TW" dirty="0"/>
+              <a:t>2</a:t>
+            </a:r>
+            <a:r>
+              <a:rPr lang="zh-TW" altLang="en-US" dirty="0"/>
+              <a:t>。</a:t>
+            </a:r>
+            <a:endParaRPr lang="en-US" altLang="zh-TW" dirty="0"/>
+          </a:p>
+        </p:txBody>
+      </p:sp>
+      <p:pic>
+        <p:nvPicPr>
+          <p:cNvPr id="8" name="圖片版面配置區 7">
+            <a:extLst>
+              <a:ext uri="{FF2B5EF4-FFF2-40B4-BE49-F238E27FC236}">
+                <a16:creationId xmlns:a16="http://schemas.microsoft.com/office/drawing/2014/main" id="{C1C0EC00-E88D-B254-6764-5E51A3EAE91E}"/>
+              </a:ext>
+            </a:extLst>
+          </p:cNvPr>
+          <p:cNvPicPr>
+            <a:picLocks noGrp="1" noChangeAspect="1"/>
+          </p:cNvPicPr>
+          <p:nvPr>
+            <p:ph type="pic" idx="1"/>
+          </p:nvPr>
+        </p:nvPicPr>
+        <p:blipFill>
+          <a:blip r:embed="rId2">
+            <a:extLst>
+              <a:ext uri="{28A0092B-C50C-407E-A947-70E740481C1C}">
+                <a14:useLocalDpi xmlns:a14="http://schemas.microsoft.com/office/drawing/2010/main" val="0"/>
+              </a:ext>
+            </a:extLst>
+          </a:blip>
+          <a:srcRect t="-977" b="-295"/>
+          <a:stretch>
+            <a:fillRect/>
+          </a:stretch>
+        </p:blipFill>
+        <p:spPr>
+          <a:xfrm>
+            <a:off x="7807905" y="457201"/>
+            <a:ext cx="2891268" cy="6165272"/>
+          </a:xfrm>
+          <a:prstGeom prst="rect">
+            <a:avLst/>
+          </a:prstGeom>
+        </p:spPr>
+      </p:pic>
+    </p:spTree>
+    <p:extLst>
+      <p:ext uri="{BB962C8B-B14F-4D97-AF65-F5344CB8AC3E}">
+        <p14:creationId xmlns:p14="http://schemas.microsoft.com/office/powerpoint/2010/main" val="3552475874"/>
+      </p:ext>
+    </p:extLst>
+  </p:cSld>
+  <p:clrMapOvr>
+    <a:masterClrMapping/>
+  </p:clrMapOvr>
+</p:sld>
+</file>
+
+<file path=ppt/slides/slide8.xml><?xml version="1.0" encoding="utf-8"?>
+<p:sld xmlns:a="http://schemas.openxmlformats.org/drawingml/2006/main" xmlns:r="http://schemas.openxmlformats.org/officeDocument/2006/relationships" xmlns:p="http://schemas.openxmlformats.org/presentationml/2006/main">
+  <p:cSld>
+    <p:spTree>
+      <p:nvGrpSpPr>
+        <p:cNvPr id="1" name="">
+          <a:extLst>
+            <a:ext uri="{FF2B5EF4-FFF2-40B4-BE49-F238E27FC236}">
+              <a16:creationId xmlns:a16="http://schemas.microsoft.com/office/drawing/2014/main" id="{13A1B127-1913-9CDF-C5CC-CFB190E03DCD}"/>
+            </a:ext>
+          </a:extLst>
+        </p:cNvPr>
+        <p:cNvGrpSpPr/>
+        <p:nvPr/>
+      </p:nvGrpSpPr>
+      <p:grpSpPr>
+        <a:xfrm>
+          <a:off x="0" y="0"/>
+          <a:ext cx="0" cy="0"/>
+          <a:chOff x="0" y="0"/>
+          <a:chExt cx="0" cy="0"/>
+        </a:xfrm>
+      </p:grpSpPr>
+      <p:sp>
+        <p:nvSpPr>
+          <p:cNvPr id="4" name="標題 3">
+            <a:extLst>
+              <a:ext uri="{FF2B5EF4-FFF2-40B4-BE49-F238E27FC236}">
+                <a16:creationId xmlns:a16="http://schemas.microsoft.com/office/drawing/2014/main" id="{5D373756-B6CB-BC81-94AE-87CE5FC734AA}"/>
+              </a:ext>
+            </a:extLst>
+          </p:cNvPr>
+          <p:cNvSpPr>
+            <a:spLocks noGrp="1"/>
+          </p:cNvSpPr>
+          <p:nvPr>
+            <p:ph type="title"/>
+          </p:nvPr>
+        </p:nvSpPr>
+        <p:spPr/>
+        <p:txBody>
+          <a:bodyPr/>
+          <a:lstStyle/>
+          <a:p>
+            <a:r>
+              <a:rPr lang="en-US" altLang="zh-TW" dirty="0"/>
+              <a:t>page_8	</a:t>
+            </a:r>
+            <a:endParaRPr lang="zh-TW" altLang="en-US" dirty="0"/>
+          </a:p>
+        </p:txBody>
+      </p:sp>
+      <p:sp>
+        <p:nvSpPr>
+          <p:cNvPr id="7" name="文字版面配置區 6">
+            <a:extLst>
+              <a:ext uri="{FF2B5EF4-FFF2-40B4-BE49-F238E27FC236}">
+                <a16:creationId xmlns:a16="http://schemas.microsoft.com/office/drawing/2014/main" id="{578DAB57-68F4-27E2-5C56-7B35E6AA71E0}"/>
+              </a:ext>
+            </a:extLst>
+          </p:cNvPr>
+          <p:cNvSpPr>
+            <a:spLocks noGrp="1"/>
+          </p:cNvSpPr>
+          <p:nvPr>
+            <p:ph type="body" sz="half" idx="2"/>
+          </p:nvPr>
+        </p:nvSpPr>
+        <p:spPr/>
+        <p:txBody>
+          <a:bodyPr>
+            <a:normAutofit/>
+          </a:bodyPr>
+          <a:lstStyle/>
+          <a:p>
+            <a:r>
+              <a:rPr lang="zh-TW" altLang="en-US" dirty="0"/>
+              <a:t>如果按下</a:t>
+            </a:r>
+            <a:r>
+              <a:rPr lang="en-US" altLang="zh-TW" dirty="0"/>
+              <a:t>total</a:t>
+            </a:r>
+            <a:r>
+              <a:rPr lang="zh-TW" altLang="en-US" dirty="0"/>
+              <a:t>下方酒瓶鈕，會把料理米酒從</a:t>
+            </a:r>
+            <a:r>
+              <a:rPr lang="en-US" altLang="zh-TW" dirty="0"/>
+              <a:t>27</a:t>
+            </a:r>
+            <a:r>
+              <a:rPr lang="zh-TW" altLang="en-US" dirty="0"/>
+              <a:t>元價格變為</a:t>
+            </a:r>
+            <a:r>
+              <a:rPr lang="en-US" altLang="zh-TW" dirty="0"/>
+              <a:t>25</a:t>
+            </a:r>
+            <a:r>
+              <a:rPr lang="zh-TW" altLang="en-US" dirty="0"/>
+              <a:t>元。</a:t>
+            </a:r>
+            <a:r>
+              <a:rPr lang="en-US" altLang="zh-TW" dirty="0"/>
+              <a:t>(</a:t>
+            </a:r>
+            <a:r>
+              <a:rPr lang="zh-TW" altLang="en-US" dirty="0"/>
+              <a:t>專門為了熟客設置</a:t>
+            </a:r>
+            <a:r>
+              <a:rPr lang="en-US" altLang="zh-TW" dirty="0"/>
+              <a:t>)</a:t>
+            </a:r>
+          </a:p>
+        </p:txBody>
+      </p:sp>
+      <p:pic>
+        <p:nvPicPr>
+          <p:cNvPr id="8" name="圖片版面配置區 7">
+            <a:extLst>
+              <a:ext uri="{FF2B5EF4-FFF2-40B4-BE49-F238E27FC236}">
+                <a16:creationId xmlns:a16="http://schemas.microsoft.com/office/drawing/2014/main" id="{AF09C70F-B00D-71E4-49B2-2A38AB56D81F}"/>
+              </a:ext>
+            </a:extLst>
+          </p:cNvPr>
+          <p:cNvPicPr>
+            <a:picLocks noGrp="1" noChangeAspect="1"/>
+          </p:cNvPicPr>
+          <p:nvPr>
+            <p:ph type="pic" idx="1"/>
+          </p:nvPr>
+        </p:nvPicPr>
+        <p:blipFill>
+          <a:blip r:embed="rId2">
+            <a:extLst>
+              <a:ext uri="{28A0092B-C50C-407E-A947-70E740481C1C}">
+                <a14:useLocalDpi xmlns:a14="http://schemas.microsoft.com/office/drawing/2010/main" val="0"/>
+              </a:ext>
+            </a:extLst>
+          </a:blip>
+          <a:srcRect t="1311" b="1311"/>
+          <a:stretch/>
+        </p:blipFill>
+        <p:spPr>
+          <a:xfrm>
+            <a:off x="7807905" y="457201"/>
+            <a:ext cx="2891268" cy="6165272"/>
+          </a:xfrm>
+          <a:prstGeom prst="rect">
+            <a:avLst/>
+          </a:prstGeom>
+        </p:spPr>
+      </p:pic>
+    </p:spTree>
+    <p:extLst>
+      <p:ext uri="{BB962C8B-B14F-4D97-AF65-F5344CB8AC3E}">
+        <p14:creationId xmlns:p14="http://schemas.microsoft.com/office/powerpoint/2010/main" val="2312632827"/>
       </p:ext>
     </p:extLst>
   </p:cSld>
